--- a/presentation_slides/PresentationSlides.pptx
+++ b/presentation_slides/PresentationSlides.pptx
@@ -7052,15 +7052,7 @@
             </a:r>
             <a:r>
               <a:rPr lang="en-CA" dirty="0" smtClean="0"/>
-              <a:t> Project </a:t>
-            </a:r>
-            <a:r>
-              <a:rPr lang="en-CA" dirty="0" smtClean="0"/>
-              <a:t>[6</a:t>
-            </a:r>
-            <a:r>
-              <a:rPr lang="en-CA" dirty="0" smtClean="0"/>
-              <a:t>]</a:t>
+              <a:t> Project [6]</a:t>
             </a:r>
           </a:p>
           <a:p>
@@ -7237,15 +7229,7 @@
             </a:r>
             <a:r>
               <a:rPr lang="en-CA" dirty="0" smtClean="0"/>
-              <a:t> Project </a:t>
-            </a:r>
-            <a:r>
-              <a:rPr lang="en-CA" dirty="0" smtClean="0"/>
-              <a:t>[7</a:t>
-            </a:r>
-            <a:r>
-              <a:rPr lang="en-CA" dirty="0" smtClean="0"/>
-              <a:t>]</a:t>
+              <a:t> Project [7]</a:t>
             </a:r>
           </a:p>
           <a:p>
@@ -7432,15 +7416,7 @@
             </a:r>
             <a:r>
               <a:rPr lang="en-CA" dirty="0" smtClean="0"/>
-              <a:t> </a:t>
-            </a:r>
-            <a:r>
-              <a:rPr lang="en-CA" dirty="0" smtClean="0"/>
-              <a:t>[8</a:t>
-            </a:r>
-            <a:r>
-              <a:rPr lang="en-CA" dirty="0" smtClean="0"/>
-              <a:t>]</a:t>
+              <a:t> [8]</a:t>
             </a:r>
           </a:p>
           <a:p>
@@ -8184,18 +8160,7 @@
                 <a:ea typeface="+mn-ea"/>
                 <a:cs typeface="+mn-cs"/>
               </a:rPr>
-              <a:t>A combination of two ideas </a:t>
-            </a:r>
-            <a:r>
-              <a:rPr lang="en-CA" sz="2400" dirty="0" smtClean="0">
-                <a:solidFill>
-                  <a:schemeClr val="tx1"/>
-                </a:solidFill>
-                <a:latin typeface="+mn-lt"/>
-                <a:ea typeface="+mn-ea"/>
-                <a:cs typeface="+mn-cs"/>
-              </a:rPr>
-              <a:t>[</a:t>
+              <a:t>A combination of two ideas [</a:t>
             </a:r>
             <a:r>
               <a:rPr lang="en-CA" sz="2400" dirty="0" smtClean="0"/>
@@ -8212,14 +8177,6 @@
               </a:rPr>
               <a:t>]:</a:t>
             </a:r>
-            <a:endParaRPr lang="en-CA" sz="2400" dirty="0" smtClean="0">
-              <a:solidFill>
-                <a:schemeClr val="tx1"/>
-              </a:solidFill>
-              <a:latin typeface="+mn-lt"/>
-              <a:ea typeface="+mn-ea"/>
-              <a:cs typeface="+mn-cs"/>
-            </a:endParaRPr>
           </a:p>
           <a:p>
             <a:pPr lvl="1"/>
@@ -8408,27 +8365,8 @@
                 <a:ea typeface="+mn-ea"/>
                 <a:cs typeface="+mn-cs"/>
               </a:rPr>
-              <a:t>Characteristics </a:t>
-            </a:r>
-            <a:r>
-              <a:rPr lang="en-CA" sz="2200" dirty="0" smtClean="0">
-                <a:solidFill>
-                  <a:schemeClr val="tx1"/>
-                </a:solidFill>
-                <a:latin typeface="+mn-lt"/>
-                <a:ea typeface="+mn-ea"/>
-                <a:cs typeface="+mn-cs"/>
-              </a:rPr>
-              <a:t>[10]:</a:t>
-            </a:r>
-            <a:endParaRPr lang="en-CA" sz="2200" dirty="0" smtClean="0">
-              <a:solidFill>
-                <a:schemeClr val="tx1"/>
-              </a:solidFill>
-              <a:latin typeface="+mn-lt"/>
-              <a:ea typeface="+mn-ea"/>
-              <a:cs typeface="+mn-cs"/>
-            </a:endParaRPr>
+              <a:t>Characteristics [10]:</a:t>
+            </a:r>
           </a:p>
           <a:p>
             <a:pPr lvl="0"/>
@@ -8987,13 +8925,7 @@
               <a:rPr lang="en-CA" sz="1600" dirty="0" smtClean="0">
                 <a:latin typeface="+mn-lt"/>
               </a:rPr>
-              <a:t>Examples of currently available Cloud solutions </a:t>
-            </a:r>
-            <a:r>
-              <a:rPr lang="en-CA" sz="1600" dirty="0" smtClean="0">
-                <a:latin typeface="+mn-lt"/>
-              </a:rPr>
-              <a:t>[</a:t>
+              <a:t>Examples of currently available Cloud solutions [</a:t>
             </a:r>
             <a:r>
               <a:rPr lang="en-CA" sz="1600" dirty="0" smtClean="0"/>
@@ -9110,13 +9042,7 @@
               <a:rPr lang="en-CA" sz="1600" dirty="0" smtClean="0">
                 <a:latin typeface="+mn-lt"/>
               </a:rPr>
-              <a:t> is a scientific computing Grid with 11 partner sites in North America </a:t>
-            </a:r>
-            <a:r>
-              <a:rPr lang="en-CA" sz="1600" dirty="0" smtClean="0">
-                <a:latin typeface="+mn-lt"/>
-              </a:rPr>
-              <a:t>[</a:t>
+              <a:t> is a scientific computing Grid with 11 partner sites in North America [</a:t>
             </a:r>
             <a:r>
               <a:rPr lang="en-CA" sz="1600" dirty="0" smtClean="0"/>
@@ -10331,21 +10257,11 @@
               <a:rPr lang="en-CA" sz="1600" dirty="0" smtClean="0">
                 <a:latin typeface="+mn-lt"/>
               </a:rPr>
-              <a:t>An example of currently available virtualization software </a:t>
-            </a:r>
-            <a:r>
-              <a:rPr lang="en-CA" sz="1600" dirty="0" smtClean="0">
-                <a:latin typeface="+mn-lt"/>
-              </a:rPr>
-              <a:t>[</a:t>
+              <a:t>An example of currently available virtualization software [</a:t>
             </a:r>
             <a:r>
               <a:rPr lang="en-CA" sz="1600" dirty="0" smtClean="0"/>
-              <a:t>1</a:t>
-            </a:r>
-            <a:r>
-              <a:rPr lang="en-CA" sz="1600" dirty="0" smtClean="0"/>
-              <a:t>5</a:t>
+              <a:t>15</a:t>
             </a:r>
             <a:r>
               <a:rPr lang="en-CA" sz="1600" dirty="0" smtClean="0">
@@ -11995,24 +11911,14 @@
             <a:pPr lvl="0"/>
             <a:r>
               <a:rPr lang="en-US" dirty="0" smtClean="0"/>
-              <a:t>“For many applications, stringent compliance requirements in areas such as privacy, financial controls, and health information will preclude use of public clouds, regardless of the actual security controls of the provider</a:t>
-            </a:r>
+              <a:t>“For many applications, stringent compliance requirements in areas such as privacy, financial controls, and health information will preclude use of public clouds, regardless of the actual security controls of the provider” [16]</a:t>
+            </a:r>
+          </a:p>
+          <a:p>
             <a:r>
               <a:rPr lang="en-US" dirty="0" smtClean="0"/>
-              <a:t>” [16]</a:t>
-            </a:r>
-            <a:endParaRPr lang="en-US" dirty="0" smtClean="0"/>
-          </a:p>
-          <a:p>
-            <a:r>
-              <a:rPr lang="en-US" dirty="0" smtClean="0"/>
-              <a:t>“It would be difficult to impossible to achieve Payment Card Industry (PCI) compliance in a cloud … given the requirements for understanding … and controlling access to the systems and the credit-card data.“ </a:t>
-            </a:r>
-            <a:r>
-              <a:rPr lang="en-US" dirty="0" smtClean="0"/>
-              <a:t>[17]</a:t>
-            </a:r>
-            <a:endParaRPr lang="en-US" dirty="0" smtClean="0"/>
+              <a:t>“It would be difficult to impossible to achieve Payment Card Industry (PCI) compliance in a cloud … given the requirements for understanding … and controlling access to the systems and the credit-card data.“ [17]</a:t>
+            </a:r>
           </a:p>
         </p:txBody>
       </p:sp>
@@ -12946,13 +12852,8 @@
             <a:pPr lvl="0"/>
             <a:r>
               <a:rPr lang="en-US" dirty="0" smtClean="0"/>
-              <a:t>Although Reliability in cloud computing is a major concern, it is a strong selling point. </a:t>
-            </a:r>
-            <a:r>
-              <a:rPr lang="en-US" dirty="0" smtClean="0"/>
-              <a:t>[18]</a:t>
-            </a:r>
-            <a:endParaRPr lang="en-US" dirty="0" smtClean="0"/>
+              <a:t>Although Reliability in cloud computing is a major concern, it is a strong selling point. [18]</a:t>
+            </a:r>
           </a:p>
         </p:txBody>
       </p:sp>
@@ -13144,13 +13045,8 @@
           <a:p>
             <a:r>
               <a:rPr lang="en-US" dirty="0" smtClean="0"/>
-              <a:t>There is no standard for cloud computing metrics. </a:t>
-            </a:r>
-            <a:r>
-              <a:rPr lang="en-US" dirty="0" smtClean="0"/>
-              <a:t>[19]</a:t>
-            </a:r>
-            <a:endParaRPr lang="en-US" dirty="0" smtClean="0"/>
+              <a:t>There is no standard for cloud computing metrics. [19]</a:t>
+            </a:r>
           </a:p>
           <a:p>
             <a:pPr lvl="1"/>
@@ -14076,8 +13972,31 @@
             </a:r>
             <a:r>
               <a:rPr lang="en-CA" sz="1200" dirty="0" smtClean="0"/>
-              <a:t>] http://dlib.cs.odu.edu/WhatIsTheGrid.pdf</a:t>
-            </a:r>
+              <a:t>] I, Foster. (2002)“What is The Grid? A Three Point Checklist”, Available: </a:t>
+            </a:r>
+            <a:r>
+              <a:rPr lang="en-CA" sz="1200" dirty="0" smtClean="0">
+                <a:hlinkClick r:id="rId3"/>
+              </a:rPr>
+              <a:t>http</a:t>
+            </a:r>
+            <a:r>
+              <a:rPr lang="en-CA" sz="1200" dirty="0" smtClean="0">
+                <a:hlinkClick r:id="rId3"/>
+              </a:rPr>
+              <a:t>://</a:t>
+            </a:r>
+            <a:r>
+              <a:rPr lang="en-CA" sz="1200" dirty="0" smtClean="0">
+                <a:hlinkClick r:id="rId3"/>
+              </a:rPr>
+              <a:t>dlib.cs.odu.edu/WhatIsTheGrid.pdf</a:t>
+            </a:r>
+            <a:r>
+              <a:rPr lang="en-CA" sz="1200" dirty="0" smtClean="0"/>
+              <a:t>, Accessed March 17, 2011</a:t>
+            </a:r>
+            <a:endParaRPr lang="en-CA" sz="1200" dirty="0" smtClean="0"/>
           </a:p>
           <a:p>
             <a:r>
@@ -14086,38 +14005,122 @@
             </a:r>
             <a:r>
               <a:rPr lang="en-CA" sz="1200" dirty="0" smtClean="0"/>
-              <a:t>] http://www.gridforum.org/standards/</a:t>
-            </a:r>
-          </a:p>
-          <a:p>
+              <a:t>]”OGF Standards”, Available: </a:t>
+            </a:r>
+            <a:r>
+              <a:rPr lang="en-CA" sz="1200" dirty="0" smtClean="0">
+                <a:hlinkClick r:id="rId4"/>
+              </a:rPr>
+              <a:t>http</a:t>
+            </a:r>
+            <a:r>
+              <a:rPr lang="en-CA" sz="1200" dirty="0" smtClean="0">
+                <a:hlinkClick r:id="rId4"/>
+              </a:rPr>
+              <a:t>://www.gridforum.org/standards</a:t>
+            </a:r>
+            <a:r>
+              <a:rPr lang="en-CA" sz="1200" dirty="0" smtClean="0">
+                <a:hlinkClick r:id="rId4"/>
+              </a:rPr>
+              <a:t>/</a:t>
+            </a:r>
             <a:r>
               <a:rPr lang="en-CA" sz="1200" dirty="0" smtClean="0"/>
-              <a:t>[3</a:t>
-            </a:r>
+              <a:t>, Accessed March 17,2011</a:t>
+            </a:r>
+            <a:endParaRPr lang="en-CA" sz="1200" dirty="0" smtClean="0"/>
+          </a:p>
+          <a:p>
             <a:r>
               <a:rPr lang="en-CA" sz="1200" dirty="0" smtClean="0"/>
-              <a:t>] http://www.lk.cs.ucla.edu/LK/Bib/REPORT/press.html</a:t>
-            </a:r>
-          </a:p>
-          <a:p>
+              <a:t>[</a:t>
+            </a:r>
             <a:r>
               <a:rPr lang="en-CA" sz="1200" dirty="0" smtClean="0"/>
-              <a:t>[4</a:t>
+              <a:t>3] (1969), “UCLA Set To Be First Station In Nationwide Network” Available: </a:t>
+            </a:r>
+            <a:r>
+              <a:rPr lang="en-CA" sz="1200" dirty="0" smtClean="0">
+                <a:hlinkClick r:id="rId5"/>
+              </a:rPr>
+              <a:t>http://www.lk.cs.ucla.edu/LK/Bib/REPORT/press.htm;. Accessed March 19</a:t>
             </a:r>
             <a:r>
               <a:rPr lang="en-CA" sz="1200" dirty="0" smtClean="0"/>
-              <a:t>] http://books.google.ca/books?id=b4LWXLRBRLsC&amp;lpg=PA12&amp;ots=GSLfF7U8RW&amp;dq=grid%20computing%201980s&amp;pg=PP1#v=onepage&amp;q=grid%20computing%201980s&amp;f=false</a:t>
-            </a:r>
+              <a:t>, 2011</a:t>
+            </a:r>
+            <a:endParaRPr lang="en-CA" sz="1200" dirty="0" smtClean="0"/>
           </a:p>
           <a:p>
             <a:r>
               <a:rPr lang="en-CA" sz="1200" dirty="0" smtClean="0"/>
-              <a:t>[5</a:t>
+              <a:t>[</a:t>
             </a:r>
             <a:r>
               <a:rPr lang="en-CA" sz="1200" dirty="0" smtClean="0"/>
-              <a:t>] http://magazine.uchicago.edu/0404/features/index.shtml</a:t>
-            </a:r>
+              <a:t>4]F, </a:t>
+            </a:r>
+            <a:r>
+              <a:rPr lang="en-CA" sz="1200" dirty="0" err="1" smtClean="0"/>
+              <a:t>Bernman</a:t>
+            </a:r>
+            <a:r>
+              <a:rPr lang="en-CA" sz="1200" dirty="0" smtClean="0"/>
+              <a:t>, G. Cox. (2003). “</a:t>
+            </a:r>
+            <a:r>
+              <a:rPr lang="en-US" sz="1200" dirty="0" smtClean="0"/>
+              <a:t>Grid computing: making the global infrastructure a </a:t>
+            </a:r>
+            <a:r>
+              <a:rPr lang="en-US" sz="1200" dirty="0" smtClean="0"/>
+              <a:t>reality“. Available: </a:t>
+            </a:r>
+            <a:r>
+              <a:rPr lang="en-CA" sz="1200" dirty="0" smtClean="0">
+                <a:hlinkClick r:id="rId6"/>
+              </a:rPr>
+              <a:t>http://books.google.ca/books?id=b4LWXLRBRLsC&amp;lpg=PA12&amp;ots=GSLfF7U8RW&amp;dq=grid%20computing%201980s&amp;pg=PP1#v=onepage&amp;q=grid%20computing%201980s&amp;f=false</a:t>
+            </a:r>
+            <a:r>
+              <a:rPr lang="en-CA" sz="1200" dirty="0" smtClean="0"/>
+              <a:t> Accessed: March 19, 2011.</a:t>
+            </a:r>
+            <a:endParaRPr lang="en-CA" sz="1200" dirty="0" smtClean="0"/>
+          </a:p>
+          <a:p>
+            <a:r>
+              <a:rPr lang="en-CA" sz="1200" dirty="0" smtClean="0"/>
+              <a:t>[</a:t>
+            </a:r>
+            <a:r>
+              <a:rPr lang="en-CA" sz="1200" dirty="0" smtClean="0"/>
+              <a:t>5</a:t>
+            </a:r>
+            <a:r>
+              <a:rPr lang="en-CA" sz="1200" dirty="0" smtClean="0"/>
+              <a:t>]A. </a:t>
+            </a:r>
+            <a:r>
+              <a:rPr lang="en-CA" sz="1200" dirty="0" err="1" smtClean="0"/>
+              <a:t>Braverman</a:t>
+            </a:r>
+            <a:r>
+              <a:rPr lang="en-CA" sz="1200" dirty="0" smtClean="0"/>
+              <a:t>, (2007). ”Father of the Grid”  Available: </a:t>
+            </a:r>
+            <a:r>
+              <a:rPr lang="en-CA" sz="1200" dirty="0" smtClean="0">
+                <a:hlinkClick r:id="rId7"/>
+              </a:rPr>
+              <a:t>http://magazine.uchicago.edu/0404/features/index.shtml</a:t>
+            </a:r>
+            <a:r>
+              <a:rPr lang="en-CA" sz="1200" dirty="0" smtClean="0"/>
+              <a:t>, Accessed March 20, 2011.</a:t>
+            </a:r>
+            <a:endParaRPr lang="en-CA" sz="1200" dirty="0" smtClean="0"/>
           </a:p>
           <a:p>
             <a:r>
@@ -14126,18 +14129,84 @@
             </a:r>
             <a:r>
               <a:rPr lang="en-CA" sz="1200" dirty="0" smtClean="0"/>
-              <a:t>] http://boincstats.com/stats/project_graph.php?pr=sah</a:t>
-            </a:r>
-          </a:p>
-          <a:p>
+              <a:t>] </a:t>
+            </a:r>
             <a:r>
               <a:rPr lang="en-CA" sz="1200" dirty="0" smtClean="0"/>
-              <a:t>[7</a:t>
+              <a:t>“</a:t>
+            </a:r>
+            <a:r>
+              <a:rPr lang="en-CA" sz="1200" dirty="0" err="1" smtClean="0"/>
+              <a:t>Seti@Home</a:t>
             </a:r>
             <a:r>
               <a:rPr lang="en-CA" sz="1200" dirty="0" smtClean="0"/>
-              <a:t>] http://folding.stanford.edu/</a:t>
-            </a:r>
+              <a:t>”, Available: </a:t>
+            </a:r>
+            <a:r>
+              <a:rPr lang="en-CA" sz="1200" dirty="0" smtClean="0">
+                <a:hlinkClick r:id="rId8"/>
+              </a:rPr>
+              <a:t>http</a:t>
+            </a:r>
+            <a:r>
+              <a:rPr lang="en-CA" sz="1200" dirty="0" smtClean="0">
+                <a:hlinkClick r:id="rId8"/>
+              </a:rPr>
+              <a:t>://</a:t>
+            </a:r>
+            <a:r>
+              <a:rPr lang="en-CA" sz="1200" dirty="0" smtClean="0">
+                <a:hlinkClick r:id="rId8"/>
+              </a:rPr>
+              <a:t>boincstats.com/stats/project_graph.php?pr=sah</a:t>
+            </a:r>
+            <a:r>
+              <a:rPr lang="en-CA" sz="1200" dirty="0" smtClean="0"/>
+              <a:t>, Accessed: March 2011</a:t>
+            </a:r>
+            <a:endParaRPr lang="en-CA" sz="1200" dirty="0" smtClean="0"/>
+          </a:p>
+          <a:p>
+            <a:r>
+              <a:rPr lang="en-CA" sz="1200" dirty="0" smtClean="0"/>
+              <a:t>[7] </a:t>
+            </a:r>
+            <a:r>
+              <a:rPr lang="en-CA" sz="1200" dirty="0" smtClean="0"/>
+              <a:t>“</a:t>
+            </a:r>
+            <a:r>
+              <a:rPr lang="en-CA" sz="1200" dirty="0" err="1" smtClean="0"/>
+              <a:t>Folding@home</a:t>
+            </a:r>
+            <a:r>
+              <a:rPr lang="en-CA" sz="1200" dirty="0" smtClean="0"/>
+              <a:t>”, Available: </a:t>
+            </a:r>
+            <a:r>
+              <a:rPr lang="en-CA" sz="1200" dirty="0" smtClean="0">
+                <a:hlinkClick r:id="rId9"/>
+              </a:rPr>
+              <a:t>http</a:t>
+            </a:r>
+            <a:r>
+              <a:rPr lang="en-CA" sz="1200" dirty="0" smtClean="0">
+                <a:hlinkClick r:id="rId9"/>
+              </a:rPr>
+              <a:t>://folding.stanford.edu</a:t>
+            </a:r>
+            <a:r>
+              <a:rPr lang="en-CA" sz="1200" dirty="0" smtClean="0">
+                <a:hlinkClick r:id="rId9"/>
+              </a:rPr>
+              <a:t>/</a:t>
+            </a:r>
+            <a:r>
+              <a:rPr lang="en-CA" sz="1200" dirty="0" smtClean="0"/>
+              <a:t>, Accessed: March 20, 2011</a:t>
+            </a:r>
+            <a:endParaRPr lang="en-CA" sz="1200" dirty="0" smtClean="0"/>
           </a:p>
           <a:p>
             <a:r>
@@ -14146,8 +14215,33 @@
             </a:r>
             <a:r>
               <a:rPr lang="en-CA" sz="1200" dirty="0" smtClean="0"/>
-              <a:t>] https://www.teragrid.org/</a:t>
-            </a:r>
+              <a:t>] “</a:t>
+            </a:r>
+            <a:r>
+              <a:rPr lang="en-CA" sz="1200" dirty="0" err="1" smtClean="0"/>
+              <a:t>TeraGrod</a:t>
+            </a:r>
+            <a:r>
+              <a:rPr lang="en-CA" sz="1200" dirty="0" smtClean="0"/>
+              <a:t>”, Available: </a:t>
+            </a:r>
+            <a:r>
+              <a:rPr lang="en-CA" sz="1200" dirty="0" smtClean="0">
+                <a:hlinkClick r:id="rId10"/>
+              </a:rPr>
+              <a:t>https://www.teragrid.org</a:t>
+            </a:r>
+            <a:r>
+              <a:rPr lang="en-CA" sz="1200" smtClean="0">
+                <a:hlinkClick r:id="rId10"/>
+              </a:rPr>
+              <a:t>/</a:t>
+            </a:r>
+            <a:r>
+              <a:rPr lang="en-CA" sz="1200" smtClean="0"/>
+              <a:t>, Accessed: March 20,2011</a:t>
+            </a:r>
+            <a:endParaRPr lang="en-CA" sz="1200" dirty="0" smtClean="0"/>
           </a:p>
           <a:p>
             <a:endParaRPr lang="en-CA" sz="1200" dirty="0" smtClean="0"/>
@@ -14249,15 +14343,7 @@
           <a:p>
             <a:r>
               <a:rPr lang="en-CA" sz="2400" dirty="0" smtClean="0"/>
-              <a:t>There have been three requirements for a true grid computing system </a:t>
-            </a:r>
-            <a:r>
-              <a:rPr lang="en-CA" sz="2400" dirty="0" smtClean="0"/>
-              <a:t>[1</a:t>
-            </a:r>
-            <a:r>
-              <a:rPr lang="en-CA" sz="2400" dirty="0" smtClean="0"/>
-              <a:t>]:</a:t>
+              <a:t>There have been three requirements for a true grid computing system [1]:</a:t>
             </a:r>
           </a:p>
           <a:p>
@@ -14428,23 +14514,7 @@
           <a:p>
             <a:r>
               <a:rPr lang="en-CA" sz="1400" dirty="0" smtClean="0"/>
-              <a:t>[</a:t>
-            </a:r>
-            <a:r>
-              <a:rPr lang="en-CA" sz="1400" dirty="0" smtClean="0"/>
-              <a:t>9</a:t>
-            </a:r>
-            <a:r>
-              <a:rPr lang="en-CA" sz="1400" dirty="0" smtClean="0"/>
-              <a:t>] </a:t>
-            </a:r>
-            <a:r>
-              <a:rPr lang="en-CA" sz="1400" dirty="0" smtClean="0"/>
-              <a:t>“Cloud computing versus grid computing,” http://www.ibm.com/developerworks/web/library/wa-cloudgrid/ Accessed Mar. 15, </a:t>
-            </a:r>
-            <a:r>
-              <a:rPr lang="en-CA" sz="1400" dirty="0" smtClean="0"/>
-              <a:t>2011.</a:t>
+              <a:t>[9] “Cloud computing versus grid computing,” http://www.ibm.com/developerworks/web/library/wa-cloudgrid/ Accessed Mar. 15, 2011.</a:t>
             </a:r>
             <a:endParaRPr lang="en-CA" sz="1400" dirty="0" smtClean="0">
               <a:solidFill>
@@ -14480,18 +14550,7 @@
                 <a:ea typeface="+mn-ea"/>
                 <a:cs typeface="+mn-cs"/>
               </a:rPr>
-              <a:t>]  </a:t>
-            </a:r>
-            <a:r>
-              <a:rPr lang="en-CA" sz="1400" dirty="0" smtClean="0">
-                <a:solidFill>
-                  <a:schemeClr val="tx1"/>
-                </a:solidFill>
-                <a:latin typeface="+mn-lt"/>
-                <a:ea typeface="+mn-ea"/>
-                <a:cs typeface="+mn-cs"/>
-              </a:rPr>
-              <a:t>I. </a:t>
+              <a:t>]  I. </a:t>
             </a:r>
             <a:r>
               <a:rPr lang="en-CA" sz="1400" dirty="0" smtClean="0"/>
@@ -14509,88 +14568,25 @@
           <a:p>
             <a:r>
               <a:rPr lang="en-CA" sz="1400" dirty="0" smtClean="0"/>
-              <a:t>[</a:t>
-            </a:r>
+              <a:t>[11] “Windows Azure | Microsoft Platform Hosting,” http://www.microsoft.com/windowsazure/windowsazure/ Accessed Mar. 15, 2011.</a:t>
+            </a:r>
+          </a:p>
+          <a:p>
             <a:r>
               <a:rPr lang="en-CA" sz="1400" dirty="0" smtClean="0"/>
-              <a:t>11</a:t>
-            </a:r>
+              <a:t>[12] “Amazon Elastic Compute Cloud (Amazon EC2),” http://aws.amazon.com/ec2/ Accessed Mar. 15, 2011.</a:t>
+            </a:r>
+          </a:p>
+          <a:p>
             <a:r>
               <a:rPr lang="en-CA" sz="1400" dirty="0" smtClean="0"/>
-              <a:t>] </a:t>
-            </a:r>
+              <a:t>[13] “Google App Engine,” http://code.google.com/appengine/ Accessed Mar. 15, 2011.</a:t>
+            </a:r>
+          </a:p>
+          <a:p>
             <a:r>
               <a:rPr lang="en-CA" sz="1400" dirty="0" smtClean="0"/>
-              <a:t>“Windows Azure | Microsoft Platform Hosting,” http://www.microsoft.com/windowsazure/windowsazure/ Accessed Mar. 15, </a:t>
-            </a:r>
-            <a:r>
-              <a:rPr lang="en-CA" sz="1400" dirty="0" smtClean="0"/>
-              <a:t>2011.</a:t>
-            </a:r>
-            <a:endParaRPr lang="en-CA" sz="1400" dirty="0" smtClean="0"/>
-          </a:p>
-          <a:p>
-            <a:r>
-              <a:rPr lang="en-CA" sz="1400" dirty="0" smtClean="0"/>
-              <a:t>[</a:t>
-            </a:r>
-            <a:r>
-              <a:rPr lang="en-CA" sz="1400" dirty="0" smtClean="0"/>
-              <a:t>12</a:t>
-            </a:r>
-            <a:r>
-              <a:rPr lang="en-CA" sz="1400" dirty="0" smtClean="0"/>
-              <a:t>] </a:t>
-            </a:r>
-            <a:r>
-              <a:rPr lang="en-CA" sz="1400" dirty="0" smtClean="0"/>
-              <a:t>“Amazon Elastic Compute Cloud (Amazon EC2),” http://aws.amazon.com/ec2/ Accessed Mar. 15, </a:t>
-            </a:r>
-            <a:r>
-              <a:rPr lang="en-CA" sz="1400" dirty="0" smtClean="0"/>
-              <a:t>2011.</a:t>
-            </a:r>
-            <a:endParaRPr lang="en-CA" sz="1400" dirty="0" smtClean="0"/>
-          </a:p>
-          <a:p>
-            <a:r>
-              <a:rPr lang="en-CA" sz="1400" dirty="0" smtClean="0"/>
-              <a:t>[</a:t>
-            </a:r>
-            <a:r>
-              <a:rPr lang="en-CA" sz="1400" dirty="0" smtClean="0"/>
-              <a:t>13</a:t>
-            </a:r>
-            <a:r>
-              <a:rPr lang="en-CA" sz="1400" dirty="0" smtClean="0"/>
-              <a:t>] </a:t>
-            </a:r>
-            <a:r>
-              <a:rPr lang="en-CA" sz="1400" dirty="0" smtClean="0"/>
-              <a:t>“Google App Engine,” http://code.google.com/appengine/ Accessed Mar. 15, </a:t>
-            </a:r>
-            <a:r>
-              <a:rPr lang="en-CA" sz="1400" dirty="0" smtClean="0"/>
-              <a:t>2011.</a:t>
-            </a:r>
-            <a:endParaRPr lang="en-CA" sz="1400" dirty="0" smtClean="0"/>
-          </a:p>
-          <a:p>
-            <a:r>
-              <a:rPr lang="en-CA" sz="1400" dirty="0" smtClean="0"/>
-              <a:t>[</a:t>
-            </a:r>
-            <a:r>
-              <a:rPr lang="en-CA" sz="1400" dirty="0" smtClean="0"/>
-              <a:t>14</a:t>
-            </a:r>
-            <a:r>
-              <a:rPr lang="en-CA" sz="1400" dirty="0" smtClean="0"/>
-              <a:t>] </a:t>
-            </a:r>
-            <a:r>
-              <a:rPr lang="en-CA" sz="1400" dirty="0" smtClean="0"/>
-              <a:t>“</a:t>
+              <a:t>[14] “</a:t>
             </a:r>
             <a:r>
               <a:rPr lang="en-CA" sz="1400" dirty="0" err="1" smtClean="0"/>
@@ -14598,25 +14594,13 @@
             </a:r>
             <a:r>
               <a:rPr lang="en-CA" sz="1400" dirty="0" smtClean="0"/>
-              <a:t>”, https://www.teragrid.org/ Accessed Mar. 15, </a:t>
-            </a:r>
+              <a:t>”, https://www.teragrid.org/ Accessed Mar. 15, 2011.</a:t>
+            </a:r>
+          </a:p>
+          <a:p>
             <a:r>
               <a:rPr lang="en-CA" sz="1400" dirty="0" smtClean="0"/>
-              <a:t>2011.</a:t>
-            </a:r>
-          </a:p>
-          <a:p>
-            <a:r>
-              <a:rPr lang="en-CA" sz="1400" dirty="0" smtClean="0"/>
-              <a:t>[</a:t>
-            </a:r>
-            <a:r>
-              <a:rPr lang="en-CA" sz="1400" dirty="0" smtClean="0"/>
-              <a:t>15] </a:t>
-            </a:r>
-            <a:r>
-              <a:rPr lang="en-CA" sz="1400" dirty="0" smtClean="0"/>
-              <a:t>“</a:t>
+              <a:t>[15] “</a:t>
             </a:r>
             <a:r>
               <a:rPr lang="en-CA" sz="1400" dirty="0" err="1" smtClean="0"/>
@@ -14748,22 +14732,14 @@
             </a:r>
             <a:r>
               <a:rPr lang="en-CA" sz="1100" dirty="0" smtClean="0"/>
-              <a:t>=218400025</a:t>
-            </a:r>
-            <a:r>
-              <a:rPr lang="en-CA" sz="1100" dirty="0" smtClean="0"/>
-              <a:t>.</a:t>
+              <a:t>=218400025.</a:t>
             </a:r>
             <a:endParaRPr lang="en-US" sz="1400" dirty="0" smtClean="0"/>
           </a:p>
           <a:p>
             <a:r>
               <a:rPr lang="en-US" sz="1400" dirty="0" smtClean="0"/>
-              <a:t>[17] Mackey</a:t>
-            </a:r>
-            <a:r>
-              <a:rPr lang="en-US" sz="1400" dirty="0" smtClean="0"/>
-              <a:t>, Dick (2010). </a:t>
+              <a:t>[17] Mackey, Dick (2010). </a:t>
             </a:r>
             <a:r>
               <a:rPr lang="en-CA" sz="1400" dirty="0" smtClean="0"/>
@@ -14781,7 +14757,6 @@
               <a:rPr lang="en-CA" sz="1100" dirty="0" smtClean="0"/>
               <a:t>http://www.etransform.org/gti/sites/etransform.org/files/Documents/2010-07%20IBM%20Business%20of%20Gov%20-%20Cloud%20Computing%20in%20Government.pdf </a:t>
             </a:r>
-            <a:endParaRPr lang="en-CA" sz="1100" dirty="0" smtClean="0"/>
           </a:p>
           <a:p>
             <a:r>
@@ -14798,22 +14773,14 @@
             </a:r>
             <a:r>
               <a:rPr lang="en-CA" sz="1100" dirty="0" smtClean="0"/>
-              <a:t>http://www.baselinemag.com/c/a/Utility-Computing/Cloud-Computing-Looking-for-Security-Reliability-Resiliency-466013</a:t>
-            </a:r>
-            <a:r>
-              <a:rPr lang="en-CA" sz="1100" dirty="0" smtClean="0"/>
-              <a:t>/</a:t>
+              <a:t>http://www.baselinemag.com/c/a/Utility-Computing/Cloud-Computing-Looking-for-Security-Reliability-Resiliency-466013/</a:t>
             </a:r>
             <a:endParaRPr lang="en-CA" sz="1400" dirty="0" smtClean="0"/>
           </a:p>
           <a:p>
             <a:r>
               <a:rPr lang="en-CA" sz="1400" dirty="0" smtClean="0"/>
-              <a:t>[19] Fogarty</a:t>
-            </a:r>
-            <a:r>
-              <a:rPr lang="en-CA" sz="1400" dirty="0" smtClean="0"/>
-              <a:t>, Kevin (2010). “</a:t>
+              <a:t>[19] Fogarty, Kevin (2010). “</a:t>
             </a:r>
             <a:r>
               <a:rPr lang="en-US" sz="1400" dirty="0" smtClean="0"/>
@@ -14825,11 +14792,7 @@
             </a:r>
             <a:r>
               <a:rPr lang="en-CA" sz="1100" dirty="0" smtClean="0"/>
-              <a:t>http://</a:t>
-            </a:r>
-            <a:r>
-              <a:rPr lang="en-CA" sz="1100" dirty="0" smtClean="0"/>
-              <a:t>www.networksasia.net/content/cloud-performance-metrics-no-standards-so-mileage-varies</a:t>
+              <a:t>http://www.networksasia.net/content/cloud-performance-metrics-no-standards-so-mileage-varies</a:t>
             </a:r>
           </a:p>
           <a:p>
@@ -14941,15 +14904,7 @@
           <a:p>
             <a:r>
               <a:rPr lang="en-CA" dirty="0" smtClean="0"/>
-              <a:t>The key to growth in Grid computing is the use of standardized </a:t>
-            </a:r>
-            <a:r>
-              <a:rPr lang="en-CA" dirty="0" smtClean="0"/>
-              <a:t>middleware [2</a:t>
-            </a:r>
-            <a:r>
-              <a:rPr lang="en-CA" dirty="0" smtClean="0"/>
-              <a:t>].</a:t>
+              <a:t>The key to growth in Grid computing is the use of standardized middleware [2].</a:t>
             </a:r>
           </a:p>
           <a:p>
@@ -15112,15 +15067,7 @@
             </a:r>
             <a:r>
               <a:rPr lang="en-CA" sz="1900" dirty="0" smtClean="0"/>
-              <a:t>We will probably see the spread of ‘computer utilities’, which, like present electric and telephone utilities, will service individual homes and offices across the country</a:t>
-            </a:r>
-            <a:r>
-              <a:rPr lang="en-CA" sz="1900" dirty="0" smtClean="0"/>
-              <a:t>”[1</a:t>
-            </a:r>
-            <a:r>
-              <a:rPr lang="en-CA" sz="1900" dirty="0" smtClean="0"/>
-              <a:t>]</a:t>
+              <a:t>We will probably see the spread of ‘computer utilities’, which, like present electric and telephone utilities, will service individual homes and offices across the country”[1]</a:t>
             </a:r>
           </a:p>
           <a:p>
@@ -15131,15 +15078,7 @@
             <a:pPr lvl="1"/>
             <a:r>
               <a:rPr lang="en-CA" sz="1900" dirty="0" smtClean="0"/>
-              <a:t>First grid computing system was implemented in 1969 by researchers at UCLA with 15 leading universities connected by the end of 1970 </a:t>
-            </a:r>
-            <a:r>
-              <a:rPr lang="en-CA" sz="1900" dirty="0" smtClean="0"/>
-              <a:t>[3</a:t>
-            </a:r>
-            <a:r>
-              <a:rPr lang="en-CA" sz="1900" dirty="0" smtClean="0"/>
-              <a:t>]</a:t>
+              <a:t>First grid computing system was implemented in 1969 by researchers at UCLA with 15 leading universities connected by the end of 1970 [3]</a:t>
             </a:r>
           </a:p>
           <a:p>
@@ -15249,15 +15188,7 @@
           <a:p>
             <a:r>
               <a:rPr lang="en-CA" dirty="0" smtClean="0"/>
-              <a:t>Through the 1980s technologies were created to provide growth in the 1990s </a:t>
-            </a:r>
-            <a:r>
-              <a:rPr lang="en-CA" dirty="0" smtClean="0"/>
-              <a:t>[4</a:t>
-            </a:r>
-            <a:r>
-              <a:rPr lang="en-CA" dirty="0" smtClean="0"/>
-              <a:t>]</a:t>
+              <a:t>Through the 1980s technologies were created to provide growth in the 1990s [4]</a:t>
             </a:r>
           </a:p>
           <a:p>
@@ -15416,15 +15347,7 @@
             <a:pPr lvl="1"/>
             <a:r>
               <a:rPr lang="en-CA" dirty="0" smtClean="0"/>
-              <a:t>Was a development that ““knitted” the sites “into a single virtual system,” so users could “log on once, locate suitable computers, reserve time, load application codes, and then monitor their execution</a:t>
-            </a:r>
-            <a:r>
-              <a:rPr lang="en-CA" dirty="0" smtClean="0"/>
-              <a:t>.””[5</a:t>
-            </a:r>
-            <a:r>
-              <a:rPr lang="en-CA" dirty="0" smtClean="0"/>
-              <a:t>]</a:t>
+              <a:t>Was a development that ““knitted” the sites “into a single virtual system,” so users could “log on once, locate suitable computers, reserve time, load application codes, and then monitor their execution.””[5]</a:t>
             </a:r>
           </a:p>
           <a:p>
@@ -15544,15 +15467,7 @@
             </a:r>
             <a:r>
               <a:rPr lang="en-CA" dirty="0" smtClean="0"/>
-              <a:t> Toolkit </a:t>
-            </a:r>
-            <a:r>
-              <a:rPr lang="en-CA" dirty="0" smtClean="0"/>
-              <a:t>[5</a:t>
-            </a:r>
-            <a:r>
-              <a:rPr lang="en-CA" dirty="0" smtClean="0"/>
-              <a:t>]</a:t>
+              <a:t> Toolkit [5]</a:t>
             </a:r>
           </a:p>
           <a:p>

--- a/presentation_slides/PresentationSlides.pptx
+++ b/presentation_slides/PresentationSlides.pptx
@@ -12678,16 +12678,13 @@
             <a:pPr lvl="1"/>
             <a:r>
               <a:rPr lang="en-US" dirty="0" smtClean="0"/>
-              <a:t>“Recent large outages at Amazon and Google have shown that even the largest cloud vendors can still have glitches that take considerable time to repair. ” (</a:t>
-            </a:r>
-            <a:r>
-              <a:rPr lang="en-US" dirty="0" err="1" smtClean="0"/>
-              <a:t>Enki</a:t>
+              <a:t>“Recent large outages at Amazon and Google have shown that even the largest cloud vendors can still have glitches that take considerable time to repair. ” </a:t>
             </a:r>
             <a:r>
               <a:rPr lang="en-US" dirty="0" smtClean="0"/>
-              <a:t>, 2010)</a:t>
-            </a:r>
+              <a:t>[18]</a:t>
+            </a:r>
+            <a:endParaRPr lang="en-US" dirty="0" smtClean="0"/>
           </a:p>
           <a:p>
             <a:pPr lvl="1"/>
@@ -12697,16 +12694,13 @@
             <a:pPr lvl="1"/>
             <a:r>
               <a:rPr lang="en-US" dirty="0" smtClean="0"/>
-              <a:t>“Despite claims of reliability, few cloud vendors have tight service level agreements that promise controlled downtime or offer rebates for excess downtime. ” (</a:t>
-            </a:r>
-            <a:r>
-              <a:rPr lang="en-US" dirty="0" err="1" smtClean="0"/>
-              <a:t>Enki</a:t>
+              <a:t>“Despite claims of reliability, few cloud vendors have tight service level agreements that promise controlled downtime or offer rebates for excess downtime. ” </a:t>
             </a:r>
             <a:r>
               <a:rPr lang="en-US" dirty="0" smtClean="0"/>
-              <a:t>, 2010)</a:t>
-            </a:r>
+              <a:t>[18]</a:t>
+            </a:r>
+            <a:endParaRPr lang="en-US" dirty="0" smtClean="0"/>
           </a:p>
           <a:p>
             <a:pPr lvl="1"/>
@@ -12852,8 +12846,13 @@
             <a:pPr lvl="0"/>
             <a:r>
               <a:rPr lang="en-US" dirty="0" smtClean="0"/>
-              <a:t>Although Reliability in cloud computing is a major concern, it is a strong selling point. [18]</a:t>
-            </a:r>
+              <a:t>Although Reliability in cloud computing is a major concern, it is a strong selling point. [</a:t>
+            </a:r>
+            <a:r>
+              <a:rPr lang="en-US" dirty="0" smtClean="0"/>
+              <a:t>19]</a:t>
+            </a:r>
+            <a:endParaRPr lang="en-US" dirty="0" smtClean="0"/>
           </a:p>
         </p:txBody>
       </p:sp>
@@ -13045,8 +13044,13 @@
           <a:p>
             <a:r>
               <a:rPr lang="en-US" dirty="0" smtClean="0"/>
-              <a:t>There is no standard for cloud computing metrics. [19]</a:t>
-            </a:r>
+              <a:t>There is no standard for cloud computing metrics. </a:t>
+            </a:r>
+            <a:r>
+              <a:rPr lang="en-US" dirty="0" smtClean="0"/>
+              <a:t>[20]</a:t>
+            </a:r>
+            <a:endParaRPr lang="en-US" dirty="0" smtClean="0"/>
           </a:p>
           <a:p>
             <a:pPr lvl="1"/>
@@ -13745,8 +13749,13 @@
           <a:p>
             <a:r>
               <a:rPr lang="en-US" dirty="0" smtClean="0"/>
-              <a:t>"There are different clouds from companies such as Microsoft, Amazon, … and Google, but a lack of interoperability between them.“ (Cerf, 2010)</a:t>
-            </a:r>
+              <a:t>"There are different clouds from companies such as Microsoft, Amazon, … and Google, but a lack of interoperability between them.“ </a:t>
+            </a:r>
+            <a:r>
+              <a:rPr lang="en-US" dirty="0" smtClean="0"/>
+              <a:t>[21]</a:t>
+            </a:r>
+            <a:endParaRPr lang="en-US" dirty="0" smtClean="0"/>
           </a:p>
           <a:p>
             <a:r>
@@ -13945,7 +13954,7 @@
           <a:p>
             <a:r>
               <a:rPr lang="en-CA" dirty="0" smtClean="0"/>
-              <a:t>References</a:t>
+              <a:t>References:</a:t>
             </a:r>
             <a:endParaRPr lang="en-CA" dirty="0"/>
           </a:p>
@@ -13968,77 +13977,39 @@
           <a:p>
             <a:r>
               <a:rPr lang="en-CA" sz="1200" dirty="0" smtClean="0"/>
-              <a:t>[1</a:t>
-            </a:r>
-            <a:r>
-              <a:rPr lang="en-CA" sz="1200" dirty="0" smtClean="0"/>
-              <a:t>] I, Foster. (2002)“What is The Grid? A Three Point Checklist”, Available: </a:t>
+              <a:t>[1] I, Foster. (2002)“What is The Grid? A Three Point Checklist”, Available: </a:t>
             </a:r>
             <a:r>
               <a:rPr lang="en-CA" sz="1200" dirty="0" smtClean="0">
                 <a:hlinkClick r:id="rId3"/>
               </a:rPr>
-              <a:t>http</a:t>
-            </a:r>
-            <a:r>
-              <a:rPr lang="en-CA" sz="1200" dirty="0" smtClean="0">
-                <a:hlinkClick r:id="rId3"/>
-              </a:rPr>
-              <a:t>://</a:t>
-            </a:r>
-            <a:r>
-              <a:rPr lang="en-CA" sz="1200" dirty="0" smtClean="0">
-                <a:hlinkClick r:id="rId3"/>
-              </a:rPr>
-              <a:t>dlib.cs.odu.edu/WhatIsTheGrid.pdf</a:t>
+              <a:t>http://dlib.cs.odu.edu/WhatIsTheGrid.pdf</a:t>
             </a:r>
             <a:r>
               <a:rPr lang="en-CA" sz="1200" dirty="0" smtClean="0"/>
               <a:t>, Accessed March 17, 2011</a:t>
             </a:r>
-            <a:endParaRPr lang="en-CA" sz="1200" dirty="0" smtClean="0"/>
           </a:p>
           <a:p>
             <a:r>
               <a:rPr lang="en-CA" sz="1200" dirty="0" smtClean="0"/>
-              <a:t>[2</a:t>
-            </a:r>
-            <a:r>
-              <a:rPr lang="en-CA" sz="1200" dirty="0" smtClean="0"/>
-              <a:t>]”OGF Standards”, Available: </a:t>
+              <a:t>[2]”OGF Standards”, Available: </a:t>
             </a:r>
             <a:r>
               <a:rPr lang="en-CA" sz="1200" dirty="0" smtClean="0">
                 <a:hlinkClick r:id="rId4"/>
               </a:rPr>
-              <a:t>http</a:t>
-            </a:r>
-            <a:r>
-              <a:rPr lang="en-CA" sz="1200" dirty="0" smtClean="0">
-                <a:hlinkClick r:id="rId4"/>
-              </a:rPr>
-              <a:t>://www.gridforum.org/standards</a:t>
-            </a:r>
-            <a:r>
-              <a:rPr lang="en-CA" sz="1200" dirty="0" smtClean="0">
-                <a:hlinkClick r:id="rId4"/>
-              </a:rPr>
-              <a:t>/</a:t>
+              <a:t>http://www.gridforum.org/standards/</a:t>
             </a:r>
             <a:r>
               <a:rPr lang="en-CA" sz="1200" dirty="0" smtClean="0"/>
               <a:t>, Accessed March 17,2011</a:t>
             </a:r>
-            <a:endParaRPr lang="en-CA" sz="1200" dirty="0" smtClean="0"/>
           </a:p>
           <a:p>
             <a:r>
               <a:rPr lang="en-CA" sz="1200" dirty="0" smtClean="0"/>
-              <a:t>[</a:t>
-            </a:r>
-            <a:r>
-              <a:rPr lang="en-CA" sz="1200" dirty="0" smtClean="0"/>
-              <a:t>3] (1969), “UCLA Set To Be First Station In Nationwide Network” Available: </a:t>
+              <a:t>[3] (1969), “UCLA Set To Be First Station In Nationwide Network” Available: </a:t>
             </a:r>
             <a:r>
               <a:rPr lang="en-CA" sz="1200" dirty="0" smtClean="0">
@@ -14050,16 +14021,11 @@
               <a:rPr lang="en-CA" sz="1200" dirty="0" smtClean="0"/>
               <a:t>, 2011</a:t>
             </a:r>
-            <a:endParaRPr lang="en-CA" sz="1200" dirty="0" smtClean="0"/>
           </a:p>
           <a:p>
             <a:r>
               <a:rPr lang="en-CA" sz="1200" dirty="0" smtClean="0"/>
-              <a:t>[</a:t>
-            </a:r>
-            <a:r>
-              <a:rPr lang="en-CA" sz="1200" dirty="0" smtClean="0"/>
-              <a:t>4]F, </a:t>
+              <a:t>[4]F, </a:t>
             </a:r>
             <a:r>
               <a:rPr lang="en-CA" sz="1200" dirty="0" err="1" smtClean="0"/>
@@ -14071,11 +14037,7 @@
             </a:r>
             <a:r>
               <a:rPr lang="en-US" sz="1200" dirty="0" smtClean="0"/>
-              <a:t>Grid computing: making the global infrastructure a </a:t>
-            </a:r>
-            <a:r>
-              <a:rPr lang="en-US" sz="1200" dirty="0" smtClean="0"/>
-              <a:t>reality“. Available: </a:t>
+              <a:t>Grid computing: making the global infrastructure a reality“. Available: </a:t>
             </a:r>
             <a:r>
               <a:rPr lang="en-CA" sz="1200" dirty="0" smtClean="0">
@@ -14087,20 +14049,11 @@
               <a:rPr lang="en-CA" sz="1200" dirty="0" smtClean="0"/>
               <a:t> Accessed: March 19, 2011.</a:t>
             </a:r>
-            <a:endParaRPr lang="en-CA" sz="1200" dirty="0" smtClean="0"/>
           </a:p>
           <a:p>
             <a:r>
               <a:rPr lang="en-CA" sz="1200" dirty="0" smtClean="0"/>
-              <a:t>[</a:t>
-            </a:r>
-            <a:r>
-              <a:rPr lang="en-CA" sz="1200" dirty="0" smtClean="0"/>
-              <a:t>5</a:t>
-            </a:r>
-            <a:r>
-              <a:rPr lang="en-CA" sz="1200" dirty="0" smtClean="0"/>
-              <a:t>]A. </a:t>
+              <a:t>[5]A. </a:t>
             </a:r>
             <a:r>
               <a:rPr lang="en-CA" sz="1200" dirty="0" err="1" smtClean="0"/>
@@ -14120,20 +14073,11 @@
               <a:rPr lang="en-CA" sz="1200" dirty="0" smtClean="0"/>
               <a:t>, Accessed March 20, 2011.</a:t>
             </a:r>
-            <a:endParaRPr lang="en-CA" sz="1200" dirty="0" smtClean="0"/>
           </a:p>
           <a:p>
             <a:r>
               <a:rPr lang="en-CA" sz="1200" dirty="0" smtClean="0"/>
-              <a:t>[6</a:t>
-            </a:r>
-            <a:r>
-              <a:rPr lang="en-CA" sz="1200" dirty="0" smtClean="0"/>
-              <a:t>] </a:t>
-            </a:r>
-            <a:r>
-              <a:rPr lang="en-CA" sz="1200" dirty="0" smtClean="0"/>
-              <a:t>“</a:t>
+              <a:t>[6] “</a:t>
             </a:r>
             <a:r>
               <a:rPr lang="en-CA" sz="1200" dirty="0" err="1" smtClean="0"/>
@@ -14147,34 +14091,17 @@
               <a:rPr lang="en-CA" sz="1200" dirty="0" smtClean="0">
                 <a:hlinkClick r:id="rId8"/>
               </a:rPr>
-              <a:t>http</a:t>
-            </a:r>
-            <a:r>
-              <a:rPr lang="en-CA" sz="1200" dirty="0" smtClean="0">
-                <a:hlinkClick r:id="rId8"/>
-              </a:rPr>
-              <a:t>://</a:t>
-            </a:r>
-            <a:r>
-              <a:rPr lang="en-CA" sz="1200" dirty="0" smtClean="0">
-                <a:hlinkClick r:id="rId8"/>
-              </a:rPr>
-              <a:t>boincstats.com/stats/project_graph.php?pr=sah</a:t>
+              <a:t>http://boincstats.com/stats/project_graph.php?pr=sah</a:t>
             </a:r>
             <a:r>
               <a:rPr lang="en-CA" sz="1200" dirty="0" smtClean="0"/>
               <a:t>, Accessed: March 2011</a:t>
             </a:r>
-            <a:endParaRPr lang="en-CA" sz="1200" dirty="0" smtClean="0"/>
           </a:p>
           <a:p>
             <a:r>
               <a:rPr lang="en-CA" sz="1200" dirty="0" smtClean="0"/>
-              <a:t>[7] </a:t>
-            </a:r>
-            <a:r>
-              <a:rPr lang="en-CA" sz="1200" dirty="0" smtClean="0"/>
-              <a:t>“</a:t>
+              <a:t>[7] “</a:t>
             </a:r>
             <a:r>
               <a:rPr lang="en-CA" sz="1200" dirty="0" err="1" smtClean="0"/>
@@ -14188,34 +14115,17 @@
               <a:rPr lang="en-CA" sz="1200" dirty="0" smtClean="0">
                 <a:hlinkClick r:id="rId9"/>
               </a:rPr>
-              <a:t>http</a:t>
-            </a:r>
-            <a:r>
-              <a:rPr lang="en-CA" sz="1200" dirty="0" smtClean="0">
-                <a:hlinkClick r:id="rId9"/>
-              </a:rPr>
-              <a:t>://folding.stanford.edu</a:t>
-            </a:r>
-            <a:r>
-              <a:rPr lang="en-CA" sz="1200" dirty="0" smtClean="0">
-                <a:hlinkClick r:id="rId9"/>
-              </a:rPr>
-              <a:t>/</a:t>
+              <a:t>http://folding.stanford.edu/</a:t>
             </a:r>
             <a:r>
               <a:rPr lang="en-CA" sz="1200" dirty="0" smtClean="0"/>
               <a:t>, Accessed: March 20, 2011</a:t>
             </a:r>
-            <a:endParaRPr lang="en-CA" sz="1200" dirty="0" smtClean="0"/>
           </a:p>
           <a:p>
             <a:r>
               <a:rPr lang="en-CA" sz="1200" dirty="0" smtClean="0"/>
-              <a:t>[8</a:t>
-            </a:r>
-            <a:r>
-              <a:rPr lang="en-CA" sz="1200" dirty="0" smtClean="0"/>
-              <a:t>] “</a:t>
+              <a:t>[8] “</a:t>
             </a:r>
             <a:r>
               <a:rPr lang="en-CA" sz="1200" dirty="0" err="1" smtClean="0"/>
@@ -14229,19 +14139,12 @@
               <a:rPr lang="en-CA" sz="1200" dirty="0" smtClean="0">
                 <a:hlinkClick r:id="rId10"/>
               </a:rPr>
-              <a:t>https://www.teragrid.org</a:t>
-            </a:r>
-            <a:r>
-              <a:rPr lang="en-CA" sz="1200" smtClean="0">
-                <a:hlinkClick r:id="rId10"/>
-              </a:rPr>
-              <a:t>/</a:t>
-            </a:r>
-            <a:r>
-              <a:rPr lang="en-CA" sz="1200" smtClean="0"/>
+              <a:t>https://www.teragrid.org/</a:t>
+            </a:r>
+            <a:r>
+              <a:rPr lang="en-CA" sz="1200" dirty="0" smtClean="0"/>
               <a:t>, Accessed: March 20,2011</a:t>
             </a:r>
-            <a:endParaRPr lang="en-CA" sz="1200" dirty="0" smtClean="0"/>
           </a:p>
           <a:p>
             <a:endParaRPr lang="en-CA" sz="1200" dirty="0" smtClean="0"/>
@@ -14719,93 +14622,127 @@
           <a:lstStyle/>
           <a:p>
             <a:r>
-              <a:rPr lang="en-CA" sz="1400" dirty="0" smtClean="0"/>
-              <a:t>[16] Foley, John (2009a). “How government’s driving cloud computing ahead.” InformationWeek, July 4, 2009. retrieved July 14, 2009, from </a:t>
-            </a:r>
-            <a:r>
-              <a:rPr lang="en-CA" sz="1100" dirty="0" smtClean="0"/>
-              <a:t>informationweek.com/news/government/technology/</a:t>
-            </a:r>
-            <a:r>
-              <a:rPr lang="en-CA" sz="1100" dirty="0" err="1" smtClean="0"/>
+              <a:rPr lang="en-CA" sz="1200" dirty="0" smtClean="0"/>
+              <a:t>[16] Foley, John (2009a). “How government’s driving cloud computing ahead.” InformationWeek, July 4, 2009. retrieved July 14, 2009, from informationweek.com/news/government/technology/</a:t>
+            </a:r>
+            <a:r>
+              <a:rPr lang="en-CA" sz="1200" dirty="0" err="1" smtClean="0"/>
               <a:t>showArticle.jhtml?articleiD</a:t>
             </a:r>
             <a:r>
-              <a:rPr lang="en-CA" sz="1100" dirty="0" smtClean="0"/>
+              <a:rPr lang="en-CA" sz="1200" dirty="0" smtClean="0"/>
               <a:t>=218400025.</a:t>
             </a:r>
-            <a:endParaRPr lang="en-US" sz="1400" dirty="0" smtClean="0"/>
-          </a:p>
-          <a:p>
-            <a:r>
-              <a:rPr lang="en-US" sz="1400" dirty="0" smtClean="0"/>
+            <a:endParaRPr lang="en-US" sz="1200" dirty="0" smtClean="0"/>
+          </a:p>
+          <a:p>
+            <a:r>
+              <a:rPr lang="en-US" sz="1200" dirty="0" smtClean="0"/>
               <a:t>[17] Mackey, Dick (2010). </a:t>
             </a:r>
             <a:r>
-              <a:rPr lang="en-CA" sz="1400" dirty="0" smtClean="0"/>
+              <a:rPr lang="en-CA" sz="1200" dirty="0" smtClean="0"/>
               <a:t>“</a:t>
             </a:r>
             <a:r>
-              <a:rPr lang="en-US" sz="1400" dirty="0" smtClean="0"/>
+              <a:rPr lang="en-US" sz="1200" dirty="0" smtClean="0"/>
               <a:t>Moving to the Cloud: An Introduction to Cloud Computing in Government</a:t>
             </a:r>
             <a:r>
-              <a:rPr lang="en-CA" sz="1400" dirty="0" smtClean="0"/>
-              <a:t>” Retrieved Mar. 15, 2011 from </a:t>
-            </a:r>
-            <a:r>
-              <a:rPr lang="en-CA" sz="1100" dirty="0" smtClean="0"/>
-              <a:t>http://www.etransform.org/gti/sites/etransform.org/files/Documents/2010-07%20IBM%20Business%20of%20Gov%20-%20Cloud%20Computing%20in%20Government.pdf </a:t>
-            </a:r>
-          </a:p>
-          <a:p>
-            <a:r>
-              <a:rPr lang="en-CA" sz="1400" dirty="0" smtClean="0"/>
-              <a:t>[18] Sun, Raymond J (2010). “</a:t>
-            </a:r>
-            <a:r>
-              <a:rPr lang="en-US" sz="1400" dirty="0" smtClean="0"/>
+              <a:rPr lang="en-CA" sz="1200" dirty="0" smtClean="0"/>
+              <a:t>” Retrieved Mar. 15, 2011 from http://www.etransform.org/gti/sites/etransform.org/files/Documents/2010-07%20IBM%20Business%20of%20Gov%20-%20Cloud%20Computing%20in%20Government.pdf </a:t>
+            </a:r>
+          </a:p>
+          <a:p>
+            <a:r>
+              <a:rPr lang="en-CA" sz="1200" dirty="0" smtClean="0"/>
+              <a:t>[</a:t>
+            </a:r>
+            <a:r>
+              <a:rPr lang="en-CA" sz="1200" dirty="0" smtClean="0"/>
+              <a:t>19] </a:t>
+            </a:r>
+            <a:r>
+              <a:rPr lang="en-CA" sz="1200" dirty="0" smtClean="0"/>
+              <a:t>Sun, Raymond J (2010). “</a:t>
+            </a:r>
+            <a:r>
+              <a:rPr lang="en-US" sz="1200" dirty="0" smtClean="0"/>
               <a:t>Cloud Computing: Looking for Security, Reliability and Resiliency</a:t>
             </a:r>
             <a:r>
-              <a:rPr lang="en-CA" sz="1400" dirty="0" smtClean="0"/>
-              <a:t>” Retrieved March 21, 2011, from </a:t>
-            </a:r>
-            <a:r>
-              <a:rPr lang="en-CA" sz="1100" dirty="0" smtClean="0"/>
-              <a:t>http://www.baselinemag.com/c/a/Utility-Computing/Cloud-Computing-Looking-for-Security-Reliability-Resiliency-466013/</a:t>
-            </a:r>
-            <a:endParaRPr lang="en-CA" sz="1400" dirty="0" smtClean="0"/>
-          </a:p>
-          <a:p>
-            <a:r>
-              <a:rPr lang="en-CA" sz="1400" dirty="0" smtClean="0"/>
-              <a:t>[19] Fogarty, Kevin (2010). “</a:t>
-            </a:r>
-            <a:r>
-              <a:rPr lang="en-US" sz="1400" dirty="0" smtClean="0"/>
+              <a:rPr lang="en-CA" sz="1200" dirty="0" smtClean="0"/>
+              <a:t>” Retrieved March 21, 2011, from http://www.baselinemag.com/c/a/Utility-Computing/Cloud-Computing-Looking-for-Security-Reliability-Resiliency-466013</a:t>
+            </a:r>
+            <a:r>
+              <a:rPr lang="en-CA" sz="1200" dirty="0" smtClean="0"/>
+              <a:t>/</a:t>
+            </a:r>
+          </a:p>
+          <a:p>
+            <a:r>
+              <a:rPr lang="en-CA" sz="1200" dirty="0" smtClean="0"/>
+              <a:t>[18]</a:t>
+            </a:r>
+            <a:r>
+              <a:rPr lang="en-CA" sz="1200" dirty="0" smtClean="0"/>
+              <a:t> </a:t>
+            </a:r>
+            <a:r>
+              <a:rPr lang="en-CA" sz="1200" dirty="0" err="1" smtClean="0"/>
+              <a:t>Enki</a:t>
+            </a:r>
+            <a:r>
+              <a:rPr lang="en-CA" sz="1200" dirty="0" smtClean="0"/>
+              <a:t>(2010</a:t>
+            </a:r>
+            <a:r>
+              <a:rPr lang="en-CA" sz="1200" dirty="0" smtClean="0"/>
+              <a:t>). </a:t>
+            </a:r>
+            <a:r>
+              <a:rPr lang="en-CA" sz="1200" dirty="0" smtClean="0"/>
+              <a:t>“RELIABILITY AND CLOUD COMPUTING” </a:t>
+            </a:r>
+            <a:r>
+              <a:rPr lang="en-CA" sz="1200" dirty="0" smtClean="0"/>
+              <a:t>Retrieved March 21, 2011, from http://www.enki.co/blog/reliability-and-cloud-computing.html</a:t>
+            </a:r>
+            <a:endParaRPr lang="en-CA" sz="1200" dirty="0" smtClean="0"/>
+          </a:p>
+          <a:p>
+            <a:r>
+              <a:rPr lang="en-CA" sz="1200" dirty="0" smtClean="0"/>
+              <a:t>[20] </a:t>
+            </a:r>
+            <a:r>
+              <a:rPr lang="en-CA" sz="1200" dirty="0" smtClean="0"/>
+              <a:t>Fogarty, Kevin (2010). “</a:t>
+            </a:r>
+            <a:r>
+              <a:rPr lang="en-US" sz="1200" dirty="0" smtClean="0"/>
               <a:t>Cloud performance metrics: No standards, so mileage varies</a:t>
             </a:r>
             <a:r>
-              <a:rPr lang="en-CA" sz="1400" dirty="0" smtClean="0"/>
-              <a:t>.” Retrieved March 21, 2011, from </a:t>
-            </a:r>
-            <a:r>
-              <a:rPr lang="en-CA" sz="1100" dirty="0" smtClean="0"/>
-              <a:t>http://www.networksasia.net/content/cloud-performance-metrics-no-standards-so-mileage-varies</a:t>
-            </a:r>
-          </a:p>
-          <a:p>
-            <a:r>
-              <a:rPr lang="en-CA" sz="1400" dirty="0" smtClean="0"/>
-              <a:t>IDC “</a:t>
-            </a:r>
-            <a:r>
-              <a:rPr lang="en-US" sz="1400" dirty="0" smtClean="0"/>
+              <a:rPr lang="en-CA" sz="1200" dirty="0" smtClean="0"/>
+              <a:t>.” Retrieved March 21, 2011, from http://www.networksasia.net/content/cloud-performance-metrics-no-standards-so-mileage-varies</a:t>
+            </a:r>
+          </a:p>
+          <a:p>
+            <a:r>
+              <a:rPr lang="en-CA" sz="1200" dirty="0" smtClean="0"/>
+              <a:t>[21] IDC </a:t>
+            </a:r>
+            <a:r>
+              <a:rPr lang="en-CA" sz="1200" dirty="0" smtClean="0"/>
+              <a:t>“</a:t>
+            </a:r>
+            <a:r>
+              <a:rPr lang="en-US" sz="1200" dirty="0" smtClean="0"/>
               <a:t>Cloud Computing 2010. An IDC Update</a:t>
             </a:r>
             <a:r>
-              <a:rPr lang="en-CA" sz="1400" dirty="0" smtClean="0"/>
+              <a:rPr lang="en-CA" sz="1200" dirty="0" smtClean="0"/>
               <a:t>” Retrieved Mar. 16, 2011 from http://www.slideshare.net/JorFigOr/cloud-computing-2010-an-idc-update</a:t>
             </a:r>
           </a:p>
